--- a/Ishjarta_ProjectAwards.pptx
+++ b/Ishjarta_ProjectAwards.pptx
@@ -271,7 +271,7 @@
           <a:p>
             <a:fld id="{2B0410DD-267D-4F3F-AC12-F38A868F7B65}" type="datetimeFigureOut">
               <a:rPr lang="de-AT" smtClean="0"/>
-              <a:t>14.03.2023</a:t>
+              <a:t>15.03.2023</a:t>
             </a:fld>
             <a:endParaRPr lang="de-AT"/>
           </a:p>
@@ -471,7 +471,7 @@
           <a:p>
             <a:fld id="{2B0410DD-267D-4F3F-AC12-F38A868F7B65}" type="datetimeFigureOut">
               <a:rPr lang="de-AT" smtClean="0"/>
-              <a:t>14.03.2023</a:t>
+              <a:t>15.03.2023</a:t>
             </a:fld>
             <a:endParaRPr lang="de-AT"/>
           </a:p>
@@ -681,7 +681,7 @@
           <a:p>
             <a:fld id="{2B0410DD-267D-4F3F-AC12-F38A868F7B65}" type="datetimeFigureOut">
               <a:rPr lang="de-AT" smtClean="0"/>
-              <a:t>14.03.2023</a:t>
+              <a:t>15.03.2023</a:t>
             </a:fld>
             <a:endParaRPr lang="de-AT"/>
           </a:p>
@@ -881,7 +881,7 @@
           <a:p>
             <a:fld id="{2B0410DD-267D-4F3F-AC12-F38A868F7B65}" type="datetimeFigureOut">
               <a:rPr lang="de-AT" smtClean="0"/>
-              <a:t>14.03.2023</a:t>
+              <a:t>15.03.2023</a:t>
             </a:fld>
             <a:endParaRPr lang="de-AT"/>
           </a:p>
@@ -1157,7 +1157,7 @@
           <a:p>
             <a:fld id="{2B0410DD-267D-4F3F-AC12-F38A868F7B65}" type="datetimeFigureOut">
               <a:rPr lang="de-AT" smtClean="0"/>
-              <a:t>14.03.2023</a:t>
+              <a:t>15.03.2023</a:t>
             </a:fld>
             <a:endParaRPr lang="de-AT"/>
           </a:p>
@@ -1425,7 +1425,7 @@
           <a:p>
             <a:fld id="{2B0410DD-267D-4F3F-AC12-F38A868F7B65}" type="datetimeFigureOut">
               <a:rPr lang="de-AT" smtClean="0"/>
-              <a:t>14.03.2023</a:t>
+              <a:t>15.03.2023</a:t>
             </a:fld>
             <a:endParaRPr lang="de-AT"/>
           </a:p>
@@ -1840,7 +1840,7 @@
           <a:p>
             <a:fld id="{2B0410DD-267D-4F3F-AC12-F38A868F7B65}" type="datetimeFigureOut">
               <a:rPr lang="de-AT" smtClean="0"/>
-              <a:t>14.03.2023</a:t>
+              <a:t>15.03.2023</a:t>
             </a:fld>
             <a:endParaRPr lang="de-AT"/>
           </a:p>
@@ -1982,7 +1982,7 @@
           <a:p>
             <a:fld id="{2B0410DD-267D-4F3F-AC12-F38A868F7B65}" type="datetimeFigureOut">
               <a:rPr lang="de-AT" smtClean="0"/>
-              <a:t>14.03.2023</a:t>
+              <a:t>15.03.2023</a:t>
             </a:fld>
             <a:endParaRPr lang="de-AT"/>
           </a:p>
@@ -2095,7 +2095,7 @@
           <a:p>
             <a:fld id="{2B0410DD-267D-4F3F-AC12-F38A868F7B65}" type="datetimeFigureOut">
               <a:rPr lang="de-AT" smtClean="0"/>
-              <a:t>14.03.2023</a:t>
+              <a:t>15.03.2023</a:t>
             </a:fld>
             <a:endParaRPr lang="de-AT"/>
           </a:p>
@@ -2408,7 +2408,7 @@
           <a:p>
             <a:fld id="{2B0410DD-267D-4F3F-AC12-F38A868F7B65}" type="datetimeFigureOut">
               <a:rPr lang="de-AT" smtClean="0"/>
-              <a:t>14.03.2023</a:t>
+              <a:t>15.03.2023</a:t>
             </a:fld>
             <a:endParaRPr lang="de-AT"/>
           </a:p>
@@ -2697,7 +2697,7 @@
           <a:p>
             <a:fld id="{2B0410DD-267D-4F3F-AC12-F38A868F7B65}" type="datetimeFigureOut">
               <a:rPr lang="de-AT" smtClean="0"/>
-              <a:t>14.03.2023</a:t>
+              <a:t>15.03.2023</a:t>
             </a:fld>
             <a:endParaRPr lang="de-AT"/>
           </a:p>
@@ -2943,7 +2943,7 @@
           <a:p>
             <a:fld id="{2B0410DD-267D-4F3F-AC12-F38A868F7B65}" type="datetimeFigureOut">
               <a:rPr lang="de-AT" smtClean="0"/>
-              <a:t>14.03.2023</a:t>
+              <a:t>15.03.2023</a:t>
             </a:fld>
             <a:endParaRPr lang="de-AT"/>
           </a:p>
@@ -3432,6 +3432,14 @@
   <p:clrMapOvr>
     <a:masterClrMapping/>
   </p:clrMapOvr>
+  <mc:AlternateContent xmlns:mc="http://schemas.openxmlformats.org/markup-compatibility/2006">
+    <mc:Choice xmlns:p14="http://schemas.microsoft.com/office/powerpoint/2010/main" Requires="p14">
+      <p:transition spd="slow" p14:dur="1500"/>
+    </mc:Choice>
+    <mc:Fallback>
+      <p:transition spd="slow"/>
+    </mc:Fallback>
+  </mc:AlternateContent>
   <p:timing>
     <p:tnLst>
       <p:par>
@@ -3609,6 +3617,9 @@
   <p:clrMapOvr>
     <a:masterClrMapping/>
   </p:clrMapOvr>
+  <p:transition>
+    <p:push dir="u"/>
+  </p:transition>
 </p:sld>
 </file>
 
@@ -3776,6 +3787,9 @@
   <p:clrMapOvr>
     <a:masterClrMapping/>
   </p:clrMapOvr>
+  <p:transition>
+    <p:push dir="u"/>
+  </p:transition>
   <p:timing>
     <p:tnLst>
       <p:par>
@@ -4124,6 +4138,9 @@
   <p:clrMapOvr>
     <a:masterClrMapping/>
   </p:clrMapOvr>
+  <p:transition>
+    <p:wipe/>
+  </p:transition>
   <p:timing>
     <p:tnLst>
       <p:par>
@@ -4686,6 +4703,9 @@
   <p:clrMapOvr>
     <a:masterClrMapping/>
   </p:clrMapOvr>
+  <p:transition>
+    <p:push dir="d"/>
+  </p:transition>
   <p:timing>
     <p:tnLst>
       <p:par>
@@ -5377,6 +5397,9 @@
   <p:clrMapOvr>
     <a:masterClrMapping/>
   </p:clrMapOvr>
+  <p:transition>
+    <p:push dir="u"/>
+  </p:transition>
   <p:timing>
     <p:tnLst>
       <p:par>
@@ -5986,6 +6009,9 @@
   <p:clrMapOvr>
     <a:masterClrMapping/>
   </p:clrMapOvr>
+  <p:transition>
+    <p:push dir="r"/>
+  </p:transition>
   <p:timing>
     <p:tnLst>
       <p:par>
@@ -6191,6 +6217,18 @@
   <p:clrMapOvr>
     <a:masterClrMapping/>
   </p:clrMapOvr>
+  <mc:AlternateContent xmlns:mc="http://schemas.openxmlformats.org/markup-compatibility/2006" xmlns:p14="http://schemas.microsoft.com/office/powerpoint/2010/main">
+    <mc:Choice Requires="p14">
+      <p:transition spd="med" p14:dur="700">
+        <p:fade/>
+      </p:transition>
+    </mc:Choice>
+    <mc:Fallback xmlns="">
+      <p:transition spd="med">
+        <p:fade/>
+      </p:transition>
+    </mc:Fallback>
+  </mc:AlternateContent>
 </p:sld>
 </file>
 
@@ -6372,6 +6410,9 @@
   <p:clrMapOvr>
     <a:masterClrMapping/>
   </p:clrMapOvr>
+  <p:transition>
+    <p:push dir="u"/>
+  </p:transition>
   <p:timing>
     <p:tnLst>
       <p:par>
@@ -7040,6 +7081,9 @@
   <p:clrMapOvr>
     <a:masterClrMapping/>
   </p:clrMapOvr>
+  <p:transition>
+    <p:push/>
+  </p:transition>
   <p:timing>
     <p:tnLst>
       <p:par>
@@ -7868,6 +7912,18 @@
   <p:clrMapOvr>
     <a:masterClrMapping/>
   </p:clrMapOvr>
+  <mc:AlternateContent xmlns:mc="http://schemas.openxmlformats.org/markup-compatibility/2006" xmlns:p14="http://schemas.microsoft.com/office/powerpoint/2010/main">
+    <mc:Choice Requires="p14">
+      <p:transition spd="med" p14:dur="700">
+        <p:fade/>
+      </p:transition>
+    </mc:Choice>
+    <mc:Fallback xmlns="">
+      <p:transition spd="med">
+        <p:fade/>
+      </p:transition>
+    </mc:Fallback>
+  </mc:AlternateContent>
   <p:timing>
     <p:tnLst>
       <p:par>

--- a/Ishjarta_ProjectAwards.pptx
+++ b/Ishjarta_ProjectAwards.pptx
@@ -12,10 +12,9 @@
     <p:sldId id="267" r:id="rId6"/>
     <p:sldId id="268" r:id="rId7"/>
     <p:sldId id="261" r:id="rId8"/>
-    <p:sldId id="265" r:id="rId9"/>
-    <p:sldId id="263" r:id="rId10"/>
-    <p:sldId id="269" r:id="rId11"/>
-    <p:sldId id="264" r:id="rId12"/>
+    <p:sldId id="263" r:id="rId9"/>
+    <p:sldId id="269" r:id="rId10"/>
+    <p:sldId id="264" r:id="rId11"/>
   </p:sldIdLst>
   <p:sldSz cx="12192000" cy="6858000"/>
   <p:notesSz cx="6858000" cy="9144000"/>
@@ -271,7 +270,7 @@
           <a:p>
             <a:fld id="{2B0410DD-267D-4F3F-AC12-F38A868F7B65}" type="datetimeFigureOut">
               <a:rPr lang="de-AT" smtClean="0"/>
-              <a:t>14.03.2023</a:t>
+              <a:t>27.03.2023</a:t>
             </a:fld>
             <a:endParaRPr lang="de-AT"/>
           </a:p>
@@ -471,7 +470,7 @@
           <a:p>
             <a:fld id="{2B0410DD-267D-4F3F-AC12-F38A868F7B65}" type="datetimeFigureOut">
               <a:rPr lang="de-AT" smtClean="0"/>
-              <a:t>14.03.2023</a:t>
+              <a:t>27.03.2023</a:t>
             </a:fld>
             <a:endParaRPr lang="de-AT"/>
           </a:p>
@@ -681,7 +680,7 @@
           <a:p>
             <a:fld id="{2B0410DD-267D-4F3F-AC12-F38A868F7B65}" type="datetimeFigureOut">
               <a:rPr lang="de-AT" smtClean="0"/>
-              <a:t>14.03.2023</a:t>
+              <a:t>27.03.2023</a:t>
             </a:fld>
             <a:endParaRPr lang="de-AT"/>
           </a:p>
@@ -881,7 +880,7 @@
           <a:p>
             <a:fld id="{2B0410DD-267D-4F3F-AC12-F38A868F7B65}" type="datetimeFigureOut">
               <a:rPr lang="de-AT" smtClean="0"/>
-              <a:t>14.03.2023</a:t>
+              <a:t>27.03.2023</a:t>
             </a:fld>
             <a:endParaRPr lang="de-AT"/>
           </a:p>
@@ -1157,7 +1156,7 @@
           <a:p>
             <a:fld id="{2B0410DD-267D-4F3F-AC12-F38A868F7B65}" type="datetimeFigureOut">
               <a:rPr lang="de-AT" smtClean="0"/>
-              <a:t>14.03.2023</a:t>
+              <a:t>27.03.2023</a:t>
             </a:fld>
             <a:endParaRPr lang="de-AT"/>
           </a:p>
@@ -1425,7 +1424,7 @@
           <a:p>
             <a:fld id="{2B0410DD-267D-4F3F-AC12-F38A868F7B65}" type="datetimeFigureOut">
               <a:rPr lang="de-AT" smtClean="0"/>
-              <a:t>14.03.2023</a:t>
+              <a:t>27.03.2023</a:t>
             </a:fld>
             <a:endParaRPr lang="de-AT"/>
           </a:p>
@@ -1840,7 +1839,7 @@
           <a:p>
             <a:fld id="{2B0410DD-267D-4F3F-AC12-F38A868F7B65}" type="datetimeFigureOut">
               <a:rPr lang="de-AT" smtClean="0"/>
-              <a:t>14.03.2023</a:t>
+              <a:t>27.03.2023</a:t>
             </a:fld>
             <a:endParaRPr lang="de-AT"/>
           </a:p>
@@ -1982,7 +1981,7 @@
           <a:p>
             <a:fld id="{2B0410DD-267D-4F3F-AC12-F38A868F7B65}" type="datetimeFigureOut">
               <a:rPr lang="de-AT" smtClean="0"/>
-              <a:t>14.03.2023</a:t>
+              <a:t>27.03.2023</a:t>
             </a:fld>
             <a:endParaRPr lang="de-AT"/>
           </a:p>
@@ -2095,7 +2094,7 @@
           <a:p>
             <a:fld id="{2B0410DD-267D-4F3F-AC12-F38A868F7B65}" type="datetimeFigureOut">
               <a:rPr lang="de-AT" smtClean="0"/>
-              <a:t>14.03.2023</a:t>
+              <a:t>27.03.2023</a:t>
             </a:fld>
             <a:endParaRPr lang="de-AT"/>
           </a:p>
@@ -2408,7 +2407,7 @@
           <a:p>
             <a:fld id="{2B0410DD-267D-4F3F-AC12-F38A868F7B65}" type="datetimeFigureOut">
               <a:rPr lang="de-AT" smtClean="0"/>
-              <a:t>14.03.2023</a:t>
+              <a:t>27.03.2023</a:t>
             </a:fld>
             <a:endParaRPr lang="de-AT"/>
           </a:p>
@@ -2697,7 +2696,7 @@
           <a:p>
             <a:fld id="{2B0410DD-267D-4F3F-AC12-F38A868F7B65}" type="datetimeFigureOut">
               <a:rPr lang="de-AT" smtClean="0"/>
-              <a:t>14.03.2023</a:t>
+              <a:t>27.03.2023</a:t>
             </a:fld>
             <a:endParaRPr lang="de-AT"/>
           </a:p>
@@ -2943,7 +2942,7 @@
           <a:p>
             <a:fld id="{2B0410DD-267D-4F3F-AC12-F38A868F7B65}" type="datetimeFigureOut">
               <a:rPr lang="de-AT" smtClean="0"/>
-              <a:t>14.03.2023</a:t>
+              <a:t>27.03.2023</a:t>
             </a:fld>
             <a:endParaRPr lang="de-AT"/>
           </a:p>
@@ -3378,7 +3377,9 @@
         </p:nvSpPr>
         <p:spPr/>
         <p:txBody>
-          <a:bodyPr/>
+          <a:bodyPr>
+            <a:normAutofit/>
+          </a:bodyPr>
           <a:lstStyle/>
           <a:p>
             <a:r>
@@ -3386,7 +3387,7 @@
                 <a:solidFill>
                   <a:schemeClr val="bg1"/>
                 </a:solidFill>
-                <a:latin typeface="Ishjarta_Font" panose="00000400000000000000" pitchFamily="2" charset="0"/>
+                <a:latin typeface="+mn-lt"/>
               </a:rPr>
               <a:t>ISHJARTA</a:t>
             </a:r>
@@ -3546,94 +3547,6 @@
           <p:cNvPr id="2" name="Titel 1">
             <a:extLst>
               <a:ext uri="{FF2B5EF4-FFF2-40B4-BE49-F238E27FC236}">
-                <a16:creationId xmlns:a16="http://schemas.microsoft.com/office/drawing/2014/main" id="{E47CAB0E-11E5-52A8-31F5-4A9857290ABC}"/>
-              </a:ext>
-            </a:extLst>
-          </p:cNvPr>
-          <p:cNvSpPr>
-            <a:spLocks noGrp="1"/>
-          </p:cNvSpPr>
-          <p:nvPr>
-            <p:ph type="title"/>
-          </p:nvPr>
-        </p:nvSpPr>
-        <p:spPr/>
-        <p:txBody>
-          <a:bodyPr/>
-          <a:lstStyle/>
-          <a:p>
-            <a:r>
-              <a:rPr lang="de-AT" dirty="0">
-                <a:solidFill>
-                  <a:schemeClr val="bg1"/>
-                </a:solidFill>
-                <a:latin typeface="Ishjarta_Font" panose="00000400000000000000" pitchFamily="2" charset="0"/>
-              </a:rPr>
-              <a:t>ZUKUNFT DES SPIELES</a:t>
-            </a:r>
-          </a:p>
-        </p:txBody>
-      </p:sp>
-      <p:sp>
-        <p:nvSpPr>
-          <p:cNvPr id="3" name="Inhaltsplatzhalter 2">
-            <a:extLst>
-              <a:ext uri="{FF2B5EF4-FFF2-40B4-BE49-F238E27FC236}">
-                <a16:creationId xmlns:a16="http://schemas.microsoft.com/office/drawing/2014/main" id="{11006233-DB00-E708-0655-7CEF7F0BF82D}"/>
-              </a:ext>
-            </a:extLst>
-          </p:cNvPr>
-          <p:cNvSpPr>
-            <a:spLocks noGrp="1"/>
-          </p:cNvSpPr>
-          <p:nvPr>
-            <p:ph idx="1"/>
-          </p:nvPr>
-        </p:nvSpPr>
-        <p:spPr/>
-        <p:txBody>
-          <a:bodyPr/>
-          <a:lstStyle/>
-          <a:p>
-            <a:endParaRPr lang="de-AT"/>
-          </a:p>
-        </p:txBody>
-      </p:sp>
-    </p:spTree>
-    <p:extLst>
-      <p:ext uri="{BB962C8B-B14F-4D97-AF65-F5344CB8AC3E}">
-        <p14:creationId xmlns:p14="http://schemas.microsoft.com/office/powerpoint/2010/main" val="1435973006"/>
-      </p:ext>
-    </p:extLst>
-  </p:cSld>
-  <p:clrMapOvr>
-    <a:masterClrMapping/>
-  </p:clrMapOvr>
-</p:sld>
-</file>
-
-<file path=ppt/slides/slide11.xml><?xml version="1.0" encoding="utf-8"?>
-<p:sld xmlns:a="http://schemas.openxmlformats.org/drawingml/2006/main" xmlns:r="http://schemas.openxmlformats.org/officeDocument/2006/relationships" xmlns:p="http://schemas.openxmlformats.org/presentationml/2006/main">
-  <p:cSld>
-    <p:spTree>
-      <p:nvGrpSpPr>
-        <p:cNvPr id="1" name=""/>
-        <p:cNvGrpSpPr/>
-        <p:nvPr/>
-      </p:nvGrpSpPr>
-      <p:grpSpPr>
-        <a:xfrm>
-          <a:off x="0" y="0"/>
-          <a:ext cx="0" cy="0"/>
-          <a:chOff x="0" y="0"/>
-          <a:chExt cx="0" cy="0"/>
-        </a:xfrm>
-      </p:grpSpPr>
-      <p:sp>
-        <p:nvSpPr>
-          <p:cNvPr id="2" name="Titel 1">
-            <a:extLst>
-              <a:ext uri="{FF2B5EF4-FFF2-40B4-BE49-F238E27FC236}">
                 <a16:creationId xmlns:a16="http://schemas.microsoft.com/office/drawing/2014/main" id="{75A78979-F794-DDFD-CAE3-52744CD7E77A}"/>
               </a:ext>
             </a:extLst>
@@ -3652,7 +3565,9 @@
           </a:xfrm>
         </p:spPr>
         <p:txBody>
-          <a:bodyPr/>
+          <a:bodyPr>
+            <a:normAutofit/>
+          </a:bodyPr>
           <a:lstStyle/>
           <a:p>
             <a:r>
@@ -3660,9 +3575,27 @@
                 <a:solidFill>
                   <a:schemeClr val="bg1"/>
                 </a:solidFill>
-                <a:latin typeface="Ishjarta_Font" panose="00000400000000000000" pitchFamily="2" charset="0"/>
+                <a:latin typeface="+mn-lt"/>
               </a:rPr>
-              <a:t>TESTE JETZT!</a:t>
+              <a:t>TESTE </a:t>
+            </a:r>
+            <a:r>
+              <a:rPr lang="de-AT" sz="4900" dirty="0">
+                <a:solidFill>
+                  <a:schemeClr val="bg1"/>
+                </a:solidFill>
+                <a:latin typeface="+mn-lt"/>
+              </a:rPr>
+              <a:t>JETZT</a:t>
+            </a:r>
+            <a:r>
+              <a:rPr lang="de-AT" dirty="0">
+                <a:solidFill>
+                  <a:schemeClr val="bg1"/>
+                </a:solidFill>
+                <a:latin typeface="+mn-lt"/>
+              </a:rPr>
+              <a:t>!</a:t>
             </a:r>
           </a:p>
         </p:txBody>
@@ -3982,7 +3915,9 @@
         </p:nvSpPr>
         <p:spPr/>
         <p:txBody>
-          <a:bodyPr/>
+          <a:bodyPr>
+            <a:normAutofit/>
+          </a:bodyPr>
           <a:lstStyle/>
           <a:p>
             <a:r>
@@ -3990,7 +3925,7 @@
                 <a:solidFill>
                   <a:schemeClr val="bg1"/>
                 </a:solidFill>
-                <a:latin typeface="Ishjarta_Font" panose="00000400000000000000" pitchFamily="2" charset="0"/>
+                <a:latin typeface="+mn-lt"/>
               </a:rPr>
               <a:t>WAS IST EIN ROGUE-LIKE?</a:t>
             </a:r>
@@ -4459,7 +4394,9 @@
           </a:xfrm>
         </p:spPr>
         <p:txBody>
-          <a:bodyPr/>
+          <a:bodyPr>
+            <a:normAutofit/>
+          </a:bodyPr>
           <a:lstStyle/>
           <a:p>
             <a:r>
@@ -4467,7 +4404,7 @@
                 <a:solidFill>
                   <a:schemeClr val="bg1"/>
                 </a:solidFill>
-                <a:latin typeface="Ishjarta_Font" panose="00000400000000000000" pitchFamily="2" charset="0"/>
+                <a:latin typeface="+mn-lt"/>
               </a:rPr>
               <a:t>MOTIVATION</a:t>
             </a:r>
@@ -4511,7 +4448,6 @@
                 <a:solidFill>
                   <a:schemeClr val="bg1"/>
                 </a:solidFill>
-                <a:latin typeface="Ishjarta_Font" panose="00000400000000000000" pitchFamily="2" charset="0"/>
               </a:rPr>
               <a:t>HINTER DEN KULISSEN DES GAME-DEVELOPMENTS SCHAUEN</a:t>
             </a:r>
@@ -4525,7 +4461,6 @@
               <a:solidFill>
                 <a:schemeClr val="bg1"/>
               </a:solidFill>
-              <a:latin typeface="Ishjarta_Font" panose="00000400000000000000" pitchFamily="2" charset="0"/>
             </a:endParaRPr>
           </a:p>
           <a:p>
@@ -4538,7 +4473,6 @@
                 <a:solidFill>
                   <a:schemeClr val="bg1"/>
                 </a:solidFill>
-                <a:latin typeface="Ishjarta_Font" panose="00000400000000000000" pitchFamily="2" charset="0"/>
               </a:rPr>
               <a:t>KREATIVITÄT AUSLEBEN</a:t>
             </a:r>
@@ -4552,7 +4486,6 @@
               <a:solidFill>
                 <a:schemeClr val="bg1"/>
               </a:solidFill>
-              <a:latin typeface="Ishjarta_Font" panose="00000400000000000000" pitchFamily="2" charset="0"/>
             </a:endParaRPr>
           </a:p>
           <a:p>
@@ -4565,7 +4498,6 @@
                 <a:solidFill>
                   <a:schemeClr val="bg1"/>
                 </a:solidFill>
-                <a:latin typeface="Ishjarta_Font" panose="00000400000000000000" pitchFamily="2" charset="0"/>
               </a:rPr>
               <a:t>KNOWHOW ZUR PROGRAMMIERUNG UND GAME-DESIGN ERWEITERN</a:t>
             </a:r>
@@ -5164,7 +5096,7 @@
                 <a:solidFill>
                   <a:schemeClr val="bg1"/>
                 </a:solidFill>
-                <a:latin typeface="Ishjarta_Font" panose="00000400000000000000" pitchFamily="2" charset="0"/>
+                <a:latin typeface="+mn-lt"/>
               </a:rPr>
               <a:t>ZIEL</a:t>
             </a:r>
@@ -5208,7 +5140,6 @@
                 <a:solidFill>
                   <a:schemeClr val="bg1"/>
                 </a:solidFill>
-                <a:latin typeface="Ishjarta_Font" panose="00000400000000000000" pitchFamily="2" charset="0"/>
               </a:rPr>
               <a:t>EIN FREUDE-BEREITENDES UND SPANNENDES SPIEL</a:t>
             </a:r>
@@ -5222,7 +5153,6 @@
               <a:solidFill>
                 <a:schemeClr val="bg1"/>
               </a:solidFill>
-              <a:latin typeface="Ishjarta_Font" panose="00000400000000000000" pitchFamily="2" charset="0"/>
             </a:endParaRPr>
           </a:p>
           <a:p>
@@ -5235,7 +5165,6 @@
                 <a:solidFill>
                   <a:schemeClr val="bg1"/>
                 </a:solidFill>
-                <a:latin typeface="Ishjarta_Font" panose="00000400000000000000" pitchFamily="2" charset="0"/>
               </a:rPr>
               <a:t>ES SOLL ZUR UNTERHALTUNG UND ZUM STRESSABBAU BEITRAGEN</a:t>
             </a:r>
@@ -5249,7 +5178,6 @@
               <a:solidFill>
                 <a:schemeClr val="bg1"/>
               </a:solidFill>
-              <a:latin typeface="Ishjarta_Font" panose="00000400000000000000" pitchFamily="2" charset="0"/>
             </a:endParaRPr>
           </a:p>
           <a:p>
@@ -5262,7 +5190,6 @@
                 <a:solidFill>
                   <a:schemeClr val="bg1"/>
                 </a:solidFill>
-                <a:latin typeface="Ishjarta_Font" panose="00000400000000000000" pitchFamily="2" charset="0"/>
               </a:rPr>
               <a:t>GRAPHISCH-ANSEHNLICHES DESIGN UND GUTE GAME-QUALITÄT</a:t>
             </a:r>
@@ -5270,7 +5197,6 @@
               <a:solidFill>
                 <a:schemeClr val="bg1"/>
               </a:solidFill>
-              <a:latin typeface="Ishjarta_Font" panose="00000400000000000000" pitchFamily="2" charset="0"/>
             </a:endParaRPr>
           </a:p>
         </p:txBody>
@@ -5843,7 +5769,9 @@
         </p:nvSpPr>
         <p:spPr/>
         <p:txBody>
-          <a:bodyPr/>
+          <a:bodyPr>
+            <a:normAutofit/>
+          </a:bodyPr>
           <a:lstStyle/>
           <a:p>
             <a:pPr algn="ctr"/>
@@ -5852,7 +5780,7 @@
                 <a:solidFill>
                   <a:schemeClr val="bg1"/>
                 </a:solidFill>
-                <a:latin typeface="Ishjarta_Font" panose="00000400000000000000" pitchFamily="2" charset="0"/>
+                <a:latin typeface="+mn-lt"/>
               </a:rPr>
               <a:t>PROZEDURAL GENERIERTE LEVEL</a:t>
             </a:r>
@@ -6229,7 +6157,9 @@
         </p:nvSpPr>
         <p:spPr/>
         <p:txBody>
-          <a:bodyPr/>
+          <a:bodyPr>
+            <a:normAutofit/>
+          </a:bodyPr>
           <a:lstStyle/>
           <a:p>
             <a:pPr algn="ctr"/>
@@ -6238,7 +6168,7 @@
                 <a:solidFill>
                   <a:schemeClr val="bg1"/>
                 </a:solidFill>
-                <a:latin typeface="Ishjarta_Font" panose="00000400000000000000" pitchFamily="2" charset="0"/>
+                <a:latin typeface="+mn-lt"/>
               </a:rPr>
               <a:t>LIVE DEMO</a:t>
             </a:r>
@@ -6486,7 +6416,7 @@
           <p:cNvPr id="2" name="Titel 1">
             <a:extLst>
               <a:ext uri="{FF2B5EF4-FFF2-40B4-BE49-F238E27FC236}">
-                <a16:creationId xmlns:a16="http://schemas.microsoft.com/office/drawing/2014/main" id="{91F854C6-0EFA-F08A-13EC-9E9225543DC1}"/>
+                <a16:creationId xmlns:a16="http://schemas.microsoft.com/office/drawing/2014/main" id="{5B971C38-241A-81E2-8BB2-7360F5E43F13}"/>
               </a:ext>
             </a:extLst>
           </p:cNvPr>
@@ -6497,14 +6427,11 @@
             <p:ph type="title"/>
           </p:nvPr>
         </p:nvSpPr>
-        <p:spPr>
-          <a:xfrm>
-            <a:off x="688975" y="278451"/>
-            <a:ext cx="10674350" cy="739774"/>
-          </a:xfrm>
-        </p:spPr>
-        <p:txBody>
-          <a:bodyPr/>
+        <p:spPr/>
+        <p:txBody>
+          <a:bodyPr>
+            <a:normAutofit/>
+          </a:bodyPr>
           <a:lstStyle/>
           <a:p>
             <a:r>
@@ -6512,1001 +6439,7 @@
                 <a:solidFill>
                   <a:schemeClr val="bg1"/>
                 </a:solidFill>
-                <a:latin typeface="Ishjarta_Font" panose="00000400000000000000" pitchFamily="2" charset="0"/>
-              </a:rPr>
-              <a:t>TEAM</a:t>
-            </a:r>
-          </a:p>
-        </p:txBody>
-      </p:sp>
-      <p:pic>
-        <p:nvPicPr>
-          <p:cNvPr id="2052" name="Picture 4">
-            <a:extLst>
-              <a:ext uri="{FF2B5EF4-FFF2-40B4-BE49-F238E27FC236}">
-                <a16:creationId xmlns:a16="http://schemas.microsoft.com/office/drawing/2014/main" id="{22599D5B-D594-70A5-1A6B-D3B40A331E85}"/>
-              </a:ext>
-            </a:extLst>
-          </p:cNvPr>
-          <p:cNvPicPr>
-            <a:picLocks noChangeAspect="1" noChangeArrowheads="1"/>
-          </p:cNvPicPr>
-          <p:nvPr/>
-        </p:nvPicPr>
-        <p:blipFill>
-          <a:blip r:embed="rId2">
-            <a:extLst>
-              <a:ext uri="{28A0092B-C50C-407E-A947-70E740481C1C}">
-                <a14:useLocalDpi xmlns:a14="http://schemas.microsoft.com/office/drawing/2010/main" val="0"/>
-              </a:ext>
-            </a:extLst>
-          </a:blip>
-          <a:srcRect/>
-          <a:stretch>
-            <a:fillRect/>
-          </a:stretch>
-        </p:blipFill>
-        <p:spPr bwMode="auto">
-          <a:xfrm>
-            <a:off x="9204325" y="1385887"/>
-            <a:ext cx="2565400" cy="3848100"/>
-          </a:xfrm>
-          <a:prstGeom prst="rect">
-            <a:avLst/>
-          </a:prstGeom>
-          <a:ln>
-            <a:noFill/>
-          </a:ln>
-          <a:effectLst>
-            <a:softEdge rad="112500"/>
-          </a:effectLst>
-          <a:extLst>
-            <a:ext uri="{909E8E84-426E-40DD-AFC4-6F175D3DCCD1}">
-              <a14:hiddenFill xmlns:a14="http://schemas.microsoft.com/office/drawing/2010/main">
-                <a:solidFill>
-                  <a:srgbClr val="FFFFFF"/>
-                </a:solidFill>
-              </a14:hiddenFill>
-            </a:ext>
-          </a:extLst>
-        </p:spPr>
-      </p:pic>
-      <p:sp>
-        <p:nvSpPr>
-          <p:cNvPr id="4" name="Textfeld 3">
-            <a:extLst>
-              <a:ext uri="{FF2B5EF4-FFF2-40B4-BE49-F238E27FC236}">
-                <a16:creationId xmlns:a16="http://schemas.microsoft.com/office/drawing/2014/main" id="{D05FF434-1E40-5F88-2C7E-6036CE341183}"/>
-              </a:ext>
-            </a:extLst>
-          </p:cNvPr>
-          <p:cNvSpPr txBox="1"/>
-          <p:nvPr/>
-        </p:nvSpPr>
-        <p:spPr>
-          <a:xfrm>
-            <a:off x="688975" y="5317764"/>
-            <a:ext cx="2565400" cy="1354217"/>
-          </a:xfrm>
-          <a:prstGeom prst="rect">
-            <a:avLst/>
-          </a:prstGeom>
-          <a:noFill/>
-        </p:spPr>
-        <p:txBody>
-          <a:bodyPr wrap="square" rtlCol="0">
-            <a:spAutoFit/>
-          </a:bodyPr>
-          <a:lstStyle/>
-          <a:p>
-            <a:r>
-              <a:rPr lang="de-AT" dirty="0">
-                <a:solidFill>
-                  <a:schemeClr val="bg1"/>
-                </a:solidFill>
-              </a:rPr>
-              <a:t>Projektleiter</a:t>
-            </a:r>
-          </a:p>
-          <a:p>
-            <a:pPr>
-              <a:spcAft>
-                <a:spcPts val="1200"/>
-              </a:spcAft>
-            </a:pPr>
-            <a:r>
-              <a:rPr lang="de-AT" dirty="0">
-                <a:solidFill>
-                  <a:schemeClr val="bg1"/>
-                </a:solidFill>
-              </a:rPr>
-              <a:t>Danijel </a:t>
-            </a:r>
-            <a:r>
-              <a:rPr lang="de-AT" b="1" dirty="0">
-                <a:solidFill>
-                  <a:schemeClr val="bg1"/>
-                </a:solidFill>
-              </a:rPr>
-              <a:t>Balog</a:t>
-            </a:r>
-          </a:p>
-          <a:p>
-            <a:r>
-              <a:rPr lang="de-AT" dirty="0">
-                <a:solidFill>
-                  <a:schemeClr val="bg1"/>
-                </a:solidFill>
-              </a:rPr>
-              <a:t>Grafik-Design &amp; Spielentwicklung</a:t>
-            </a:r>
-          </a:p>
-        </p:txBody>
-      </p:sp>
-      <p:pic>
-        <p:nvPicPr>
-          <p:cNvPr id="2054" name="Picture 6">
-            <a:extLst>
-              <a:ext uri="{FF2B5EF4-FFF2-40B4-BE49-F238E27FC236}">
-                <a16:creationId xmlns:a16="http://schemas.microsoft.com/office/drawing/2014/main" id="{83F95780-F705-0F06-A494-6B8B64CDECC6}"/>
-              </a:ext>
-            </a:extLst>
-          </p:cNvPr>
-          <p:cNvPicPr>
-            <a:picLocks noChangeAspect="1" noChangeArrowheads="1"/>
-          </p:cNvPicPr>
-          <p:nvPr/>
-        </p:nvPicPr>
-        <p:blipFill>
-          <a:blip r:embed="rId3">
-            <a:extLst>
-              <a:ext uri="{28A0092B-C50C-407E-A947-70E740481C1C}">
-                <a14:useLocalDpi xmlns:a14="http://schemas.microsoft.com/office/drawing/2010/main" val="0"/>
-              </a:ext>
-            </a:extLst>
-          </a:blip>
-          <a:srcRect/>
-          <a:stretch>
-            <a:fillRect/>
-          </a:stretch>
-        </p:blipFill>
-        <p:spPr bwMode="auto">
-          <a:xfrm>
-            <a:off x="6362700" y="1385887"/>
-            <a:ext cx="2565400" cy="3848100"/>
-          </a:xfrm>
-          <a:prstGeom prst="rect">
-            <a:avLst/>
-          </a:prstGeom>
-          <a:ln>
-            <a:noFill/>
-          </a:ln>
-          <a:effectLst>
-            <a:softEdge rad="112500"/>
-          </a:effectLst>
-          <a:extLst>
-            <a:ext uri="{909E8E84-426E-40DD-AFC4-6F175D3DCCD1}">
-              <a14:hiddenFill xmlns:a14="http://schemas.microsoft.com/office/drawing/2010/main">
-                <a:solidFill>
-                  <a:srgbClr val="FFFFFF"/>
-                </a:solidFill>
-              </a14:hiddenFill>
-            </a:ext>
-          </a:extLst>
-        </p:spPr>
-      </p:pic>
-      <p:sp>
-        <p:nvSpPr>
-          <p:cNvPr id="5" name="Textfeld 4">
-            <a:extLst>
-              <a:ext uri="{FF2B5EF4-FFF2-40B4-BE49-F238E27FC236}">
-                <a16:creationId xmlns:a16="http://schemas.microsoft.com/office/drawing/2014/main" id="{1CEE633F-8776-DA51-DC04-762FA595770C}"/>
-              </a:ext>
-            </a:extLst>
-          </p:cNvPr>
-          <p:cNvSpPr txBox="1"/>
-          <p:nvPr/>
-        </p:nvSpPr>
-        <p:spPr>
-          <a:xfrm>
-            <a:off x="6362700" y="5311594"/>
-            <a:ext cx="2565400" cy="1354217"/>
-          </a:xfrm>
-          <a:prstGeom prst="rect">
-            <a:avLst/>
-          </a:prstGeom>
-          <a:noFill/>
-        </p:spPr>
-        <p:txBody>
-          <a:bodyPr wrap="square" rtlCol="0">
-            <a:spAutoFit/>
-          </a:bodyPr>
-          <a:lstStyle/>
-          <a:p>
-            <a:r>
-              <a:rPr lang="de-AT" dirty="0">
-                <a:solidFill>
-                  <a:schemeClr val="bg1"/>
-                </a:solidFill>
-              </a:rPr>
-              <a:t>Teammitglied</a:t>
-            </a:r>
-          </a:p>
-          <a:p>
-            <a:pPr>
-              <a:spcAft>
-                <a:spcPts val="1200"/>
-              </a:spcAft>
-            </a:pPr>
-            <a:r>
-              <a:rPr lang="de-AT" dirty="0">
-                <a:solidFill>
-                  <a:schemeClr val="bg1"/>
-                </a:solidFill>
-              </a:rPr>
-              <a:t>Felix </a:t>
-            </a:r>
-            <a:r>
-              <a:rPr lang="de-AT" b="1" dirty="0">
-                <a:solidFill>
-                  <a:schemeClr val="bg1"/>
-                </a:solidFill>
-              </a:rPr>
-              <a:t>Hinterleitner</a:t>
-            </a:r>
-          </a:p>
-          <a:p>
-            <a:r>
-              <a:rPr lang="de-AT" dirty="0">
-                <a:solidFill>
-                  <a:schemeClr val="bg1"/>
-                </a:solidFill>
-              </a:rPr>
-              <a:t>Grafik-Design &amp; </a:t>
-            </a:r>
-            <a:br>
-              <a:rPr lang="de-AT" dirty="0">
-                <a:solidFill>
-                  <a:schemeClr val="bg1"/>
-                </a:solidFill>
-              </a:rPr>
-            </a:br>
-            <a:r>
-              <a:rPr lang="de-AT" dirty="0">
-                <a:solidFill>
-                  <a:schemeClr val="bg1"/>
-                </a:solidFill>
-              </a:rPr>
-              <a:t>Sound-Design</a:t>
-            </a:r>
-          </a:p>
-        </p:txBody>
-      </p:sp>
-      <p:pic>
-        <p:nvPicPr>
-          <p:cNvPr id="2056" name="Picture 8">
-            <a:extLst>
-              <a:ext uri="{FF2B5EF4-FFF2-40B4-BE49-F238E27FC236}">
-                <a16:creationId xmlns:a16="http://schemas.microsoft.com/office/drawing/2014/main" id="{F37E9B65-DBD5-63B7-18BC-48069473D270}"/>
-              </a:ext>
-            </a:extLst>
-          </p:cNvPr>
-          <p:cNvPicPr>
-            <a:picLocks noChangeAspect="1" noChangeArrowheads="1"/>
-          </p:cNvPicPr>
-          <p:nvPr/>
-        </p:nvPicPr>
-        <p:blipFill>
-          <a:blip r:embed="rId4">
-            <a:extLst>
-              <a:ext uri="{28A0092B-C50C-407E-A947-70E740481C1C}">
-                <a14:useLocalDpi xmlns:a14="http://schemas.microsoft.com/office/drawing/2010/main" val="0"/>
-              </a:ext>
-            </a:extLst>
-          </a:blip>
-          <a:srcRect/>
-          <a:stretch>
-            <a:fillRect/>
-          </a:stretch>
-        </p:blipFill>
-        <p:spPr bwMode="auto">
-          <a:xfrm>
-            <a:off x="3521075" y="1385887"/>
-            <a:ext cx="2565400" cy="3848100"/>
-          </a:xfrm>
-          <a:prstGeom prst="rect">
-            <a:avLst/>
-          </a:prstGeom>
-          <a:ln>
-            <a:noFill/>
-          </a:ln>
-          <a:effectLst>
-            <a:softEdge rad="112500"/>
-          </a:effectLst>
-          <a:extLst>
-            <a:ext uri="{909E8E84-426E-40DD-AFC4-6F175D3DCCD1}">
-              <a14:hiddenFill xmlns:a14="http://schemas.microsoft.com/office/drawing/2010/main">
-                <a:solidFill>
-                  <a:srgbClr val="FFFFFF"/>
-                </a:solidFill>
-              </a14:hiddenFill>
-            </a:ext>
-          </a:extLst>
-        </p:spPr>
-      </p:pic>
-      <p:pic>
-        <p:nvPicPr>
-          <p:cNvPr id="2058" name="Picture 10">
-            <a:extLst>
-              <a:ext uri="{FF2B5EF4-FFF2-40B4-BE49-F238E27FC236}">
-                <a16:creationId xmlns:a16="http://schemas.microsoft.com/office/drawing/2014/main" id="{CBAA8D64-230F-5AEF-291A-9D03417E45CB}"/>
-              </a:ext>
-            </a:extLst>
-          </p:cNvPr>
-          <p:cNvPicPr>
-            <a:picLocks noChangeAspect="1" noChangeArrowheads="1"/>
-          </p:cNvPicPr>
-          <p:nvPr/>
-        </p:nvPicPr>
-        <p:blipFill>
-          <a:blip r:embed="rId5">
-            <a:extLst>
-              <a:ext uri="{28A0092B-C50C-407E-A947-70E740481C1C}">
-                <a14:useLocalDpi xmlns:a14="http://schemas.microsoft.com/office/drawing/2010/main" val="0"/>
-              </a:ext>
-            </a:extLst>
-          </a:blip>
-          <a:srcRect/>
-          <a:stretch>
-            <a:fillRect/>
-          </a:stretch>
-        </p:blipFill>
-        <p:spPr bwMode="auto">
-          <a:xfrm>
-            <a:off x="688975" y="1385887"/>
-            <a:ext cx="2565400" cy="3848100"/>
-          </a:xfrm>
-          <a:prstGeom prst="rect">
-            <a:avLst/>
-          </a:prstGeom>
-          <a:ln>
-            <a:noFill/>
-          </a:ln>
-          <a:effectLst>
-            <a:softEdge rad="112500"/>
-          </a:effectLst>
-          <a:extLst>
-            <a:ext uri="{909E8E84-426E-40DD-AFC4-6F175D3DCCD1}">
-              <a14:hiddenFill xmlns:a14="http://schemas.microsoft.com/office/drawing/2010/main">
-                <a:solidFill>
-                  <a:srgbClr val="FFFFFF"/>
-                </a:solidFill>
-              </a14:hiddenFill>
-            </a:ext>
-          </a:extLst>
-        </p:spPr>
-      </p:pic>
-      <p:sp>
-        <p:nvSpPr>
-          <p:cNvPr id="6" name="Textfeld 5">
-            <a:extLst>
-              <a:ext uri="{FF2B5EF4-FFF2-40B4-BE49-F238E27FC236}">
-                <a16:creationId xmlns:a16="http://schemas.microsoft.com/office/drawing/2014/main" id="{E214EA39-5C14-B2A9-31E2-D2A4AA274DA6}"/>
-              </a:ext>
-            </a:extLst>
-          </p:cNvPr>
-          <p:cNvSpPr txBox="1"/>
-          <p:nvPr/>
-        </p:nvSpPr>
-        <p:spPr>
-          <a:xfrm>
-            <a:off x="3530600" y="5311594"/>
-            <a:ext cx="2565400" cy="1077218"/>
-          </a:xfrm>
-          <a:prstGeom prst="rect">
-            <a:avLst/>
-          </a:prstGeom>
-          <a:noFill/>
-        </p:spPr>
-        <p:txBody>
-          <a:bodyPr wrap="square" rtlCol="0">
-            <a:spAutoFit/>
-          </a:bodyPr>
-          <a:lstStyle/>
-          <a:p>
-            <a:r>
-              <a:rPr lang="de-AT" dirty="0">
-                <a:solidFill>
-                  <a:schemeClr val="bg1"/>
-                </a:solidFill>
-              </a:rPr>
-              <a:t>Teammitglied</a:t>
-            </a:r>
-          </a:p>
-          <a:p>
-            <a:pPr>
-              <a:spcAft>
-                <a:spcPts val="1200"/>
-              </a:spcAft>
-            </a:pPr>
-            <a:r>
-              <a:rPr lang="de-AT" dirty="0">
-                <a:solidFill>
-                  <a:schemeClr val="bg1"/>
-                </a:solidFill>
-              </a:rPr>
-              <a:t>Kevin </a:t>
-            </a:r>
-            <a:r>
-              <a:rPr lang="de-AT" b="1" dirty="0">
-                <a:solidFill>
-                  <a:schemeClr val="bg1"/>
-                </a:solidFill>
-              </a:rPr>
-              <a:t>Jahn</a:t>
-            </a:r>
-          </a:p>
-          <a:p>
-            <a:r>
-              <a:rPr lang="de-AT" dirty="0">
-                <a:solidFill>
-                  <a:schemeClr val="bg1"/>
-                </a:solidFill>
-              </a:rPr>
-              <a:t>Spielentwicklung</a:t>
-            </a:r>
-          </a:p>
-        </p:txBody>
-      </p:sp>
-      <p:sp>
-        <p:nvSpPr>
-          <p:cNvPr id="7" name="Textfeld 6">
-            <a:extLst>
-              <a:ext uri="{FF2B5EF4-FFF2-40B4-BE49-F238E27FC236}">
-                <a16:creationId xmlns:a16="http://schemas.microsoft.com/office/drawing/2014/main" id="{9B52CBA4-54C5-EB56-8B7D-F98DA3C9889A}"/>
-              </a:ext>
-            </a:extLst>
-          </p:cNvPr>
-          <p:cNvSpPr txBox="1"/>
-          <p:nvPr/>
-        </p:nvSpPr>
-        <p:spPr>
-          <a:xfrm>
-            <a:off x="9204325" y="5311594"/>
-            <a:ext cx="2565400" cy="1077218"/>
-          </a:xfrm>
-          <a:prstGeom prst="rect">
-            <a:avLst/>
-          </a:prstGeom>
-          <a:noFill/>
-        </p:spPr>
-        <p:txBody>
-          <a:bodyPr wrap="square" rtlCol="0">
-            <a:spAutoFit/>
-          </a:bodyPr>
-          <a:lstStyle/>
-          <a:p>
-            <a:r>
-              <a:rPr lang="de-AT" dirty="0">
-                <a:solidFill>
-                  <a:schemeClr val="bg1"/>
-                </a:solidFill>
-              </a:rPr>
-              <a:t>Teammitglied</a:t>
-            </a:r>
-          </a:p>
-          <a:p>
-            <a:pPr>
-              <a:spcAft>
-                <a:spcPts val="1200"/>
-              </a:spcAft>
-            </a:pPr>
-            <a:r>
-              <a:rPr lang="de-AT" dirty="0">
-                <a:solidFill>
-                  <a:schemeClr val="bg1"/>
-                </a:solidFill>
-              </a:rPr>
-              <a:t>Sandin </a:t>
-            </a:r>
-            <a:r>
-              <a:rPr lang="de-AT" b="1" dirty="0">
-                <a:solidFill>
-                  <a:schemeClr val="bg1"/>
-                </a:solidFill>
-              </a:rPr>
-              <a:t>Habibovic</a:t>
-            </a:r>
-          </a:p>
-          <a:p>
-            <a:r>
-              <a:rPr lang="de-AT" dirty="0">
-                <a:solidFill>
-                  <a:schemeClr val="bg1"/>
-                </a:solidFill>
-              </a:rPr>
-              <a:t>Spielentwicklung</a:t>
-            </a:r>
-          </a:p>
-        </p:txBody>
-      </p:sp>
-    </p:spTree>
-    <p:extLst>
-      <p:ext uri="{BB962C8B-B14F-4D97-AF65-F5344CB8AC3E}">
-        <p14:creationId xmlns:p14="http://schemas.microsoft.com/office/powerpoint/2010/main" val="1711213816"/>
-      </p:ext>
-    </p:extLst>
-  </p:cSld>
-  <p:clrMapOvr>
-    <a:masterClrMapping/>
-  </p:clrMapOvr>
-  <p:timing>
-    <p:tnLst>
-      <p:par>
-        <p:cTn id="1" dur="indefinite" restart="never" nodeType="tmRoot">
-          <p:childTnLst>
-            <p:seq concurrent="1" nextAc="seek">
-              <p:cTn id="2" dur="indefinite" nodeType="mainSeq">
-                <p:childTnLst>
-                  <p:par>
-                    <p:cTn id="3" fill="hold">
-                      <p:stCondLst>
-                        <p:cond delay="indefinite"/>
-                        <p:cond evt="onBegin" delay="0">
-                          <p:tn val="2"/>
-                        </p:cond>
-                      </p:stCondLst>
-                      <p:childTnLst>
-                        <p:par>
-                          <p:cTn id="4" fill="hold">
-                            <p:stCondLst>
-                              <p:cond delay="0"/>
-                            </p:stCondLst>
-                            <p:childTnLst>
-                              <p:par>
-                                <p:cTn id="5" presetID="2" presetClass="entr" presetSubtype="8" fill="hold" grpId="0" nodeType="withEffect">
-                                  <p:stCondLst>
-                                    <p:cond delay="0"/>
-                                  </p:stCondLst>
-                                  <p:childTnLst>
-                                    <p:set>
-                                      <p:cBhvr>
-                                        <p:cTn id="6" dur="1" fill="hold">
-                                          <p:stCondLst>
-                                            <p:cond delay="0"/>
-                                          </p:stCondLst>
-                                        </p:cTn>
-                                        <p:tgtEl>
-                                          <p:spTgt spid="2"/>
-                                        </p:tgtEl>
-                                        <p:attrNameLst>
-                                          <p:attrName>style.visibility</p:attrName>
-                                        </p:attrNameLst>
-                                      </p:cBhvr>
-                                      <p:to>
-                                        <p:strVal val="visible"/>
-                                      </p:to>
-                                    </p:set>
-                                    <p:anim calcmode="lin" valueType="num">
-                                      <p:cBhvr additive="base">
-                                        <p:cTn id="7" dur="1000" fill="hold"/>
-                                        <p:tgtEl>
-                                          <p:spTgt spid="2"/>
-                                        </p:tgtEl>
-                                        <p:attrNameLst>
-                                          <p:attrName>ppt_x</p:attrName>
-                                        </p:attrNameLst>
-                                      </p:cBhvr>
-                                      <p:tavLst>
-                                        <p:tav tm="0">
-                                          <p:val>
-                                            <p:strVal val="0-#ppt_w/2"/>
-                                          </p:val>
-                                        </p:tav>
-                                        <p:tav tm="100000">
-                                          <p:val>
-                                            <p:strVal val="#ppt_x"/>
-                                          </p:val>
-                                        </p:tav>
-                                      </p:tavLst>
-                                    </p:anim>
-                                    <p:anim calcmode="lin" valueType="num">
-                                      <p:cBhvr additive="base">
-                                        <p:cTn id="8" dur="1000" fill="hold"/>
-                                        <p:tgtEl>
-                                          <p:spTgt spid="2"/>
-                                        </p:tgtEl>
-                                        <p:attrNameLst>
-                                          <p:attrName>ppt_y</p:attrName>
-                                        </p:attrNameLst>
-                                      </p:cBhvr>
-                                      <p:tavLst>
-                                        <p:tav tm="0">
-                                          <p:val>
-                                            <p:strVal val="#ppt_y"/>
-                                          </p:val>
-                                        </p:tav>
-                                        <p:tav tm="100000">
-                                          <p:val>
-                                            <p:strVal val="#ppt_y"/>
-                                          </p:val>
-                                        </p:tav>
-                                      </p:tavLst>
-                                    </p:anim>
-                                  </p:childTnLst>
-                                </p:cTn>
-                              </p:par>
-                            </p:childTnLst>
-                          </p:cTn>
-                        </p:par>
-                        <p:par>
-                          <p:cTn id="9" fill="hold">
-                            <p:stCondLst>
-                              <p:cond delay="1000"/>
-                            </p:stCondLst>
-                            <p:childTnLst>
-                              <p:par>
-                                <p:cTn id="10" presetID="10" presetClass="entr" presetSubtype="0" fill="hold" nodeType="afterEffect">
-                                  <p:stCondLst>
-                                    <p:cond delay="0"/>
-                                  </p:stCondLst>
-                                  <p:childTnLst>
-                                    <p:set>
-                                      <p:cBhvr>
-                                        <p:cTn id="11" dur="1" fill="hold">
-                                          <p:stCondLst>
-                                            <p:cond delay="0"/>
-                                          </p:stCondLst>
-                                        </p:cTn>
-                                        <p:tgtEl>
-                                          <p:spTgt spid="2058"/>
-                                        </p:tgtEl>
-                                        <p:attrNameLst>
-                                          <p:attrName>style.visibility</p:attrName>
-                                        </p:attrNameLst>
-                                      </p:cBhvr>
-                                      <p:to>
-                                        <p:strVal val="visible"/>
-                                      </p:to>
-                                    </p:set>
-                                    <p:animEffect transition="in" filter="fade">
-                                      <p:cBhvr>
-                                        <p:cTn id="12" dur="750"/>
-                                        <p:tgtEl>
-                                          <p:spTgt spid="2058"/>
-                                        </p:tgtEl>
-                                      </p:cBhvr>
-                                    </p:animEffect>
-                                  </p:childTnLst>
-                                </p:cTn>
-                              </p:par>
-                              <p:par>
-                                <p:cTn id="13" presetID="10" presetClass="entr" presetSubtype="0" fill="hold" grpId="0" nodeType="withEffect">
-                                  <p:stCondLst>
-                                    <p:cond delay="0"/>
-                                  </p:stCondLst>
-                                  <p:childTnLst>
-                                    <p:set>
-                                      <p:cBhvr>
-                                        <p:cTn id="14" dur="1" fill="hold">
-                                          <p:stCondLst>
-                                            <p:cond delay="0"/>
-                                          </p:stCondLst>
-                                        </p:cTn>
-                                        <p:tgtEl>
-                                          <p:spTgt spid="4"/>
-                                        </p:tgtEl>
-                                        <p:attrNameLst>
-                                          <p:attrName>style.visibility</p:attrName>
-                                        </p:attrNameLst>
-                                      </p:cBhvr>
-                                      <p:to>
-                                        <p:strVal val="visible"/>
-                                      </p:to>
-                                    </p:set>
-                                    <p:animEffect transition="in" filter="fade">
-                                      <p:cBhvr>
-                                        <p:cTn id="15" dur="750"/>
-                                        <p:tgtEl>
-                                          <p:spTgt spid="4"/>
-                                        </p:tgtEl>
-                                      </p:cBhvr>
-                                    </p:animEffect>
-                                  </p:childTnLst>
-                                </p:cTn>
-                              </p:par>
-                              <p:par>
-                                <p:cTn id="16" presetID="10" presetClass="entr" presetSubtype="0" fill="hold" grpId="0" nodeType="withEffect">
-                                  <p:stCondLst>
-                                    <p:cond delay="500"/>
-                                  </p:stCondLst>
-                                  <p:childTnLst>
-                                    <p:set>
-                                      <p:cBhvr>
-                                        <p:cTn id="17" dur="1" fill="hold">
-                                          <p:stCondLst>
-                                            <p:cond delay="0"/>
-                                          </p:stCondLst>
-                                        </p:cTn>
-                                        <p:tgtEl>
-                                          <p:spTgt spid="6"/>
-                                        </p:tgtEl>
-                                        <p:attrNameLst>
-                                          <p:attrName>style.visibility</p:attrName>
-                                        </p:attrNameLst>
-                                      </p:cBhvr>
-                                      <p:to>
-                                        <p:strVal val="visible"/>
-                                      </p:to>
-                                    </p:set>
-                                    <p:animEffect transition="in" filter="fade">
-                                      <p:cBhvr>
-                                        <p:cTn id="18" dur="750"/>
-                                        <p:tgtEl>
-                                          <p:spTgt spid="6"/>
-                                        </p:tgtEl>
-                                      </p:cBhvr>
-                                    </p:animEffect>
-                                  </p:childTnLst>
-                                </p:cTn>
-                              </p:par>
-                              <p:par>
-                                <p:cTn id="19" presetID="10" presetClass="entr" presetSubtype="0" fill="hold" nodeType="withEffect">
-                                  <p:stCondLst>
-                                    <p:cond delay="500"/>
-                                  </p:stCondLst>
-                                  <p:childTnLst>
-                                    <p:set>
-                                      <p:cBhvr>
-                                        <p:cTn id="20" dur="1" fill="hold">
-                                          <p:stCondLst>
-                                            <p:cond delay="0"/>
-                                          </p:stCondLst>
-                                        </p:cTn>
-                                        <p:tgtEl>
-                                          <p:spTgt spid="2056"/>
-                                        </p:tgtEl>
-                                        <p:attrNameLst>
-                                          <p:attrName>style.visibility</p:attrName>
-                                        </p:attrNameLst>
-                                      </p:cBhvr>
-                                      <p:to>
-                                        <p:strVal val="visible"/>
-                                      </p:to>
-                                    </p:set>
-                                    <p:animEffect transition="in" filter="fade">
-                                      <p:cBhvr>
-                                        <p:cTn id="21" dur="750"/>
-                                        <p:tgtEl>
-                                          <p:spTgt spid="2056"/>
-                                        </p:tgtEl>
-                                      </p:cBhvr>
-                                    </p:animEffect>
-                                  </p:childTnLst>
-                                </p:cTn>
-                              </p:par>
-                              <p:par>
-                                <p:cTn id="22" presetID="10" presetClass="entr" presetSubtype="0" fill="hold" nodeType="withEffect">
-                                  <p:stCondLst>
-                                    <p:cond delay="1000"/>
-                                  </p:stCondLst>
-                                  <p:childTnLst>
-                                    <p:set>
-                                      <p:cBhvr>
-                                        <p:cTn id="23" dur="1" fill="hold">
-                                          <p:stCondLst>
-                                            <p:cond delay="0"/>
-                                          </p:stCondLst>
-                                        </p:cTn>
-                                        <p:tgtEl>
-                                          <p:spTgt spid="2054"/>
-                                        </p:tgtEl>
-                                        <p:attrNameLst>
-                                          <p:attrName>style.visibility</p:attrName>
-                                        </p:attrNameLst>
-                                      </p:cBhvr>
-                                      <p:to>
-                                        <p:strVal val="visible"/>
-                                      </p:to>
-                                    </p:set>
-                                    <p:animEffect transition="in" filter="fade">
-                                      <p:cBhvr>
-                                        <p:cTn id="24" dur="750"/>
-                                        <p:tgtEl>
-                                          <p:spTgt spid="2054"/>
-                                        </p:tgtEl>
-                                      </p:cBhvr>
-                                    </p:animEffect>
-                                  </p:childTnLst>
-                                </p:cTn>
-                              </p:par>
-                              <p:par>
-                                <p:cTn id="25" presetID="10" presetClass="entr" presetSubtype="0" fill="hold" grpId="0" nodeType="withEffect">
-                                  <p:stCondLst>
-                                    <p:cond delay="1000"/>
-                                  </p:stCondLst>
-                                  <p:childTnLst>
-                                    <p:set>
-                                      <p:cBhvr>
-                                        <p:cTn id="26" dur="1" fill="hold">
-                                          <p:stCondLst>
-                                            <p:cond delay="0"/>
-                                          </p:stCondLst>
-                                        </p:cTn>
-                                        <p:tgtEl>
-                                          <p:spTgt spid="5"/>
-                                        </p:tgtEl>
-                                        <p:attrNameLst>
-                                          <p:attrName>style.visibility</p:attrName>
-                                        </p:attrNameLst>
-                                      </p:cBhvr>
-                                      <p:to>
-                                        <p:strVal val="visible"/>
-                                      </p:to>
-                                    </p:set>
-                                    <p:animEffect transition="in" filter="fade">
-                                      <p:cBhvr>
-                                        <p:cTn id="27" dur="750"/>
-                                        <p:tgtEl>
-                                          <p:spTgt spid="5"/>
-                                        </p:tgtEl>
-                                      </p:cBhvr>
-                                    </p:animEffect>
-                                  </p:childTnLst>
-                                </p:cTn>
-                              </p:par>
-                              <p:par>
-                                <p:cTn id="28" presetID="10" presetClass="entr" presetSubtype="0" fill="hold" nodeType="withEffect">
-                                  <p:stCondLst>
-                                    <p:cond delay="1500"/>
-                                  </p:stCondLst>
-                                  <p:childTnLst>
-                                    <p:set>
-                                      <p:cBhvr>
-                                        <p:cTn id="29" dur="1" fill="hold">
-                                          <p:stCondLst>
-                                            <p:cond delay="0"/>
-                                          </p:stCondLst>
-                                        </p:cTn>
-                                        <p:tgtEl>
-                                          <p:spTgt spid="2052"/>
-                                        </p:tgtEl>
-                                        <p:attrNameLst>
-                                          <p:attrName>style.visibility</p:attrName>
-                                        </p:attrNameLst>
-                                      </p:cBhvr>
-                                      <p:to>
-                                        <p:strVal val="visible"/>
-                                      </p:to>
-                                    </p:set>
-                                    <p:animEffect transition="in" filter="fade">
-                                      <p:cBhvr>
-                                        <p:cTn id="30" dur="750"/>
-                                        <p:tgtEl>
-                                          <p:spTgt spid="2052"/>
-                                        </p:tgtEl>
-                                      </p:cBhvr>
-                                    </p:animEffect>
-                                  </p:childTnLst>
-                                </p:cTn>
-                              </p:par>
-                              <p:par>
-                                <p:cTn id="31" presetID="10" presetClass="entr" presetSubtype="0" fill="hold" grpId="0" nodeType="withEffect">
-                                  <p:stCondLst>
-                                    <p:cond delay="1500"/>
-                                  </p:stCondLst>
-                                  <p:childTnLst>
-                                    <p:set>
-                                      <p:cBhvr>
-                                        <p:cTn id="32" dur="1" fill="hold">
-                                          <p:stCondLst>
-                                            <p:cond delay="0"/>
-                                          </p:stCondLst>
-                                        </p:cTn>
-                                        <p:tgtEl>
-                                          <p:spTgt spid="7"/>
-                                        </p:tgtEl>
-                                        <p:attrNameLst>
-                                          <p:attrName>style.visibility</p:attrName>
-                                        </p:attrNameLst>
-                                      </p:cBhvr>
-                                      <p:to>
-                                        <p:strVal val="visible"/>
-                                      </p:to>
-                                    </p:set>
-                                    <p:animEffect transition="in" filter="fade">
-                                      <p:cBhvr>
-                                        <p:cTn id="33" dur="750"/>
-                                        <p:tgtEl>
-                                          <p:spTgt spid="7"/>
-                                        </p:tgtEl>
-                                      </p:cBhvr>
-                                    </p:animEffect>
-                                  </p:childTnLst>
-                                </p:cTn>
-                              </p:par>
-                            </p:childTnLst>
-                          </p:cTn>
-                        </p:par>
-                      </p:childTnLst>
-                    </p:cTn>
-                  </p:par>
-                </p:childTnLst>
-              </p:cTn>
-              <p:prevCondLst>
-                <p:cond evt="onPrev" delay="0">
-                  <p:tgtEl>
-                    <p:sldTgt/>
-                  </p:tgtEl>
-                </p:cond>
-              </p:prevCondLst>
-              <p:nextCondLst>
-                <p:cond evt="onNext" delay="0">
-                  <p:tgtEl>
-                    <p:sldTgt/>
-                  </p:tgtEl>
-                </p:cond>
-              </p:nextCondLst>
-            </p:seq>
-          </p:childTnLst>
-        </p:cTn>
-      </p:par>
-    </p:tnLst>
-    <p:bldLst>
-      <p:bldP spid="2" grpId="0"/>
-      <p:bldP spid="4" grpId="0"/>
-      <p:bldP spid="5" grpId="0"/>
-      <p:bldP spid="6" grpId="0"/>
-      <p:bldP spid="7" grpId="0"/>
-    </p:bldLst>
-  </p:timing>
-</p:sld>
-</file>
-
-<file path=ppt/slides/slide9.xml><?xml version="1.0" encoding="utf-8"?>
-<p:sld xmlns:a="http://schemas.openxmlformats.org/drawingml/2006/main" xmlns:r="http://schemas.openxmlformats.org/officeDocument/2006/relationships" xmlns:p="http://schemas.openxmlformats.org/presentationml/2006/main">
-  <p:cSld>
-    <p:spTree>
-      <p:nvGrpSpPr>
-        <p:cNvPr id="1" name=""/>
-        <p:cNvGrpSpPr/>
-        <p:nvPr/>
-      </p:nvGrpSpPr>
-      <p:grpSpPr>
-        <a:xfrm>
-          <a:off x="0" y="0"/>
-          <a:ext cx="0" cy="0"/>
-          <a:chOff x="0" y="0"/>
-          <a:chExt cx="0" cy="0"/>
-        </a:xfrm>
-      </p:grpSpPr>
-      <p:sp>
-        <p:nvSpPr>
-          <p:cNvPr id="2" name="Titel 1">
-            <a:extLst>
-              <a:ext uri="{FF2B5EF4-FFF2-40B4-BE49-F238E27FC236}">
-                <a16:creationId xmlns:a16="http://schemas.microsoft.com/office/drawing/2014/main" id="{5B971C38-241A-81E2-8BB2-7360F5E43F13}"/>
-              </a:ext>
-            </a:extLst>
-          </p:cNvPr>
-          <p:cNvSpPr>
-            <a:spLocks noGrp="1"/>
-          </p:cNvSpPr>
-          <p:nvPr>
-            <p:ph type="title"/>
-          </p:nvPr>
-        </p:nvSpPr>
-        <p:spPr/>
-        <p:txBody>
-          <a:bodyPr/>
-          <a:lstStyle/>
-          <a:p>
-            <a:r>
-              <a:rPr lang="de-AT" dirty="0">
-                <a:solidFill>
-                  <a:schemeClr val="bg1"/>
-                </a:solidFill>
-                <a:latin typeface="Ishjarta_Font" panose="00000400000000000000" pitchFamily="2" charset="0"/>
+                <a:latin typeface="+mn-lt"/>
               </a:rPr>
               <a:t>TECHNOLOGIEN</a:t>
             </a:r>
@@ -7641,7 +6574,7 @@
                 <a:solidFill>
                   <a:schemeClr val="bg1"/>
                 </a:solidFill>
-                <a:latin typeface="Ishjarta_Font" panose="00000400000000000000" pitchFamily="2" charset="0"/>
+                <a:latin typeface="+mj-lt"/>
               </a:rPr>
               <a:t>SPIELE-ENGINE</a:t>
             </a:r>
@@ -7682,7 +6615,7 @@
                 <a:solidFill>
                   <a:schemeClr val="bg1"/>
                 </a:solidFill>
-                <a:latin typeface="Ishjarta_Font" panose="00000400000000000000" pitchFamily="2" charset="0"/>
+                <a:latin typeface="+mj-lt"/>
               </a:rPr>
               <a:t>GRAFIK-DESIGN</a:t>
             </a:r>
@@ -7723,7 +6656,7 @@
                 <a:solidFill>
                   <a:schemeClr val="bg1"/>
                 </a:solidFill>
-                <a:latin typeface="Ishjarta_Font" panose="00000400000000000000" pitchFamily="2" charset="0"/>
+                <a:latin typeface="+mj-lt"/>
               </a:rPr>
               <a:t>PROGRAMMIERSPRACHE</a:t>
             </a:r>
@@ -8496,6 +7429,96 @@
 </p:sld>
 </file>
 
+<file path=ppt/slides/slide9.xml><?xml version="1.0" encoding="utf-8"?>
+<p:sld xmlns:a="http://schemas.openxmlformats.org/drawingml/2006/main" xmlns:r="http://schemas.openxmlformats.org/officeDocument/2006/relationships" xmlns:p="http://schemas.openxmlformats.org/presentationml/2006/main">
+  <p:cSld>
+    <p:spTree>
+      <p:nvGrpSpPr>
+        <p:cNvPr id="1" name=""/>
+        <p:cNvGrpSpPr/>
+        <p:nvPr/>
+      </p:nvGrpSpPr>
+      <p:grpSpPr>
+        <a:xfrm>
+          <a:off x="0" y="0"/>
+          <a:ext cx="0" cy="0"/>
+          <a:chOff x="0" y="0"/>
+          <a:chExt cx="0" cy="0"/>
+        </a:xfrm>
+      </p:grpSpPr>
+      <p:sp>
+        <p:nvSpPr>
+          <p:cNvPr id="2" name="Titel 1">
+            <a:extLst>
+              <a:ext uri="{FF2B5EF4-FFF2-40B4-BE49-F238E27FC236}">
+                <a16:creationId xmlns:a16="http://schemas.microsoft.com/office/drawing/2014/main" id="{E47CAB0E-11E5-52A8-31F5-4A9857290ABC}"/>
+              </a:ext>
+            </a:extLst>
+          </p:cNvPr>
+          <p:cNvSpPr>
+            <a:spLocks noGrp="1"/>
+          </p:cNvSpPr>
+          <p:nvPr>
+            <p:ph type="title"/>
+          </p:nvPr>
+        </p:nvSpPr>
+        <p:spPr/>
+        <p:txBody>
+          <a:bodyPr>
+            <a:normAutofit/>
+          </a:bodyPr>
+          <a:lstStyle/>
+          <a:p>
+            <a:r>
+              <a:rPr lang="de-AT" dirty="0">
+                <a:solidFill>
+                  <a:schemeClr val="bg1"/>
+                </a:solidFill>
+                <a:latin typeface="+mn-lt"/>
+              </a:rPr>
+              <a:t>ZUKUNFT DES SPIELES</a:t>
+            </a:r>
+          </a:p>
+        </p:txBody>
+      </p:sp>
+      <p:sp>
+        <p:nvSpPr>
+          <p:cNvPr id="3" name="Inhaltsplatzhalter 2">
+            <a:extLst>
+              <a:ext uri="{FF2B5EF4-FFF2-40B4-BE49-F238E27FC236}">
+                <a16:creationId xmlns:a16="http://schemas.microsoft.com/office/drawing/2014/main" id="{11006233-DB00-E708-0655-7CEF7F0BF82D}"/>
+              </a:ext>
+            </a:extLst>
+          </p:cNvPr>
+          <p:cNvSpPr>
+            <a:spLocks noGrp="1"/>
+          </p:cNvSpPr>
+          <p:nvPr>
+            <p:ph idx="1"/>
+          </p:nvPr>
+        </p:nvSpPr>
+        <p:spPr/>
+        <p:txBody>
+          <a:bodyPr/>
+          <a:lstStyle/>
+          <a:p>
+            <a:endParaRPr lang="de-AT"/>
+          </a:p>
+        </p:txBody>
+      </p:sp>
+    </p:spTree>
+    <p:extLst>
+      <p:ext uri="{BB962C8B-B14F-4D97-AF65-F5344CB8AC3E}">
+        <p14:creationId xmlns:p14="http://schemas.microsoft.com/office/powerpoint/2010/main" val="1435973006"/>
+      </p:ext>
+    </p:extLst>
+  </p:cSld>
+  <p:clrMapOvr>
+    <a:masterClrMapping/>
+  </p:clrMapOvr>
+</p:sld>
+</file>
+
 <file path=ppt/theme/theme1.xml><?xml version="1.0" encoding="utf-8"?>
 <a:theme xmlns:a="http://schemas.openxmlformats.org/drawingml/2006/main" name="Office">
   <a:themeElements>
